--- a/figures/smartnic_soc.pptx
+++ b/figures/smartnic_soc.pptx
@@ -104,6 +104,11 @@
       </a:defRPr>
     </a:lvl9pPr>
   </p:defaultTextStyle>
+  <p:extLst>
+    <p:ext uri="{EFAFB233-063F-42B5-8137-9DF3F51BA10A}">
+      <p15:sldGuideLst xmlns:p15="http://schemas.microsoft.com/office/powerpoint/2012/main"/>
+    </p:ext>
+  </p:extLst>
 </p:presentation>
 </file>
 
@@ -254,7 +259,7 @@
           <a:p>
             <a:fld id="{7473413D-DF53-C34B-90FB-2E6CDD7A585B}" type="datetimeFigureOut">
               <a:rPr kumimoji="1" lang="zh-CN" altLang="en-US" smtClean="0"/>
-              <a:t>2019/4/27</a:t>
+              <a:t>2019/5/14</a:t>
             </a:fld>
             <a:endParaRPr kumimoji="1" lang="zh-CN" altLang="en-US"/>
           </a:p>
@@ -427,7 +432,7 @@
           <a:p>
             <a:fld id="{7473413D-DF53-C34B-90FB-2E6CDD7A585B}" type="datetimeFigureOut">
               <a:rPr kumimoji="1" lang="zh-CN" altLang="en-US" smtClean="0"/>
-              <a:t>2019/4/27</a:t>
+              <a:t>2019/5/14</a:t>
             </a:fld>
             <a:endParaRPr kumimoji="1" lang="zh-CN" altLang="en-US"/>
           </a:p>
@@ -610,7 +615,7 @@
           <a:p>
             <a:fld id="{7473413D-DF53-C34B-90FB-2E6CDD7A585B}" type="datetimeFigureOut">
               <a:rPr kumimoji="1" lang="zh-CN" altLang="en-US" smtClean="0"/>
-              <a:t>2019/4/27</a:t>
+              <a:t>2019/5/14</a:t>
             </a:fld>
             <a:endParaRPr kumimoji="1" lang="zh-CN" altLang="en-US"/>
           </a:p>
@@ -783,7 +788,7 @@
           <a:p>
             <a:fld id="{7473413D-DF53-C34B-90FB-2E6CDD7A585B}" type="datetimeFigureOut">
               <a:rPr kumimoji="1" lang="zh-CN" altLang="en-US" smtClean="0"/>
-              <a:t>2019/4/27</a:t>
+              <a:t>2019/5/14</a:t>
             </a:fld>
             <a:endParaRPr kumimoji="1" lang="zh-CN" altLang="en-US"/>
           </a:p>
@@ -1061,7 +1066,7 @@
           <a:p>
             <a:fld id="{7473413D-DF53-C34B-90FB-2E6CDD7A585B}" type="datetimeFigureOut">
               <a:rPr kumimoji="1" lang="zh-CN" altLang="en-US" smtClean="0"/>
-              <a:t>2019/4/27</a:t>
+              <a:t>2019/5/14</a:t>
             </a:fld>
             <a:endParaRPr kumimoji="1" lang="zh-CN" altLang="en-US"/>
           </a:p>
@@ -1276,7 +1281,7 @@
           <a:p>
             <a:fld id="{7473413D-DF53-C34B-90FB-2E6CDD7A585B}" type="datetimeFigureOut">
               <a:rPr kumimoji="1" lang="zh-CN" altLang="en-US" smtClean="0"/>
-              <a:t>2019/4/27</a:t>
+              <a:t>2019/5/14</a:t>
             </a:fld>
             <a:endParaRPr kumimoji="1" lang="zh-CN" altLang="en-US"/>
           </a:p>
@@ -1644,7 +1649,7 @@
           <a:p>
             <a:fld id="{7473413D-DF53-C34B-90FB-2E6CDD7A585B}" type="datetimeFigureOut">
               <a:rPr kumimoji="1" lang="zh-CN" altLang="en-US" smtClean="0"/>
-              <a:t>2019/4/27</a:t>
+              <a:t>2019/5/14</a:t>
             </a:fld>
             <a:endParaRPr kumimoji="1" lang="zh-CN" altLang="en-US"/>
           </a:p>
@@ -1785,7 +1790,7 @@
           <a:p>
             <a:fld id="{7473413D-DF53-C34B-90FB-2E6CDD7A585B}" type="datetimeFigureOut">
               <a:rPr kumimoji="1" lang="zh-CN" altLang="en-US" smtClean="0"/>
-              <a:t>2019/4/27</a:t>
+              <a:t>2019/5/14</a:t>
             </a:fld>
             <a:endParaRPr kumimoji="1" lang="zh-CN" altLang="en-US"/>
           </a:p>
@@ -1898,7 +1903,7 @@
           <a:p>
             <a:fld id="{7473413D-DF53-C34B-90FB-2E6CDD7A585B}" type="datetimeFigureOut">
               <a:rPr kumimoji="1" lang="zh-CN" altLang="en-US" smtClean="0"/>
-              <a:t>2019/4/27</a:t>
+              <a:t>2019/5/14</a:t>
             </a:fld>
             <a:endParaRPr kumimoji="1" lang="zh-CN" altLang="en-US"/>
           </a:p>
@@ -2187,7 +2192,7 @@
           <a:p>
             <a:fld id="{7473413D-DF53-C34B-90FB-2E6CDD7A585B}" type="datetimeFigureOut">
               <a:rPr kumimoji="1" lang="zh-CN" altLang="en-US" smtClean="0"/>
-              <a:t>2019/4/27</a:t>
+              <a:t>2019/5/14</a:t>
             </a:fld>
             <a:endParaRPr kumimoji="1" lang="zh-CN" altLang="en-US"/>
           </a:p>
@@ -2478,7 +2483,7 @@
           <a:p>
             <a:fld id="{7473413D-DF53-C34B-90FB-2E6CDD7A585B}" type="datetimeFigureOut">
               <a:rPr kumimoji="1" lang="zh-CN" altLang="en-US" smtClean="0"/>
-              <a:t>2019/4/27</a:t>
+              <a:t>2019/5/14</a:t>
             </a:fld>
             <a:endParaRPr kumimoji="1" lang="zh-CN" altLang="en-US"/>
           </a:p>
@@ -2694,7 +2699,7 @@
           <a:p>
             <a:fld id="{7473413D-DF53-C34B-90FB-2E6CDD7A585B}" type="datetimeFigureOut">
               <a:rPr kumimoji="1" lang="zh-CN" altLang="en-US" smtClean="0"/>
-              <a:t>2019/4/27</a:t>
+              <a:t>2019/5/14</a:t>
             </a:fld>
             <a:endParaRPr kumimoji="1" lang="zh-CN" altLang="en-US"/>
           </a:p>
@@ -3125,7 +3130,7 @@
         </p:nvSpPr>
         <p:spPr>
           <a:xfrm>
-            <a:off x="5040804" y="3538898"/>
+            <a:off x="5650403" y="3538898"/>
             <a:ext cx="2013139" cy="1114151"/>
           </a:xfrm>
           <a:prstGeom prst="rect">
@@ -3253,7 +3258,7 @@
         </p:nvGrpSpPr>
         <p:grpSpPr>
           <a:xfrm>
-            <a:off x="5440967" y="4246525"/>
+            <a:off x="6050566" y="4246525"/>
             <a:ext cx="1264496" cy="237712"/>
             <a:chOff x="5160589" y="3190611"/>
             <a:chExt cx="1264496" cy="237712"/>
@@ -3458,7 +3463,7 @@
         </p:nvSpPr>
         <p:spPr>
           <a:xfrm>
-            <a:off x="2490245" y="3539939"/>
+            <a:off x="1857198" y="3539939"/>
             <a:ext cx="2013139" cy="1114151"/>
           </a:xfrm>
           <a:prstGeom prst="rect">
@@ -3508,7 +3513,7 @@
                   <a:lin ang="5400000" scaled="0"/>
                 </a:gradFill>
               </a:rPr>
-              <a:t>网络交换机</a:t>
+              <a:t>传统网卡</a:t>
             </a:r>
             <a:endParaRPr lang="en-US" altLang="zh-CN" sz="1600" dirty="0">
               <a:gradFill>
@@ -3533,6 +3538,22 @@
                 <a:spcPts val="600"/>
               </a:spcAft>
             </a:pPr>
+            <a:r>
+              <a:rPr lang="zh-CN" altLang="en-US" sz="1600" dirty="0">
+                <a:gradFill>
+                  <a:gsLst>
+                    <a:gs pos="2917">
+                      <a:schemeClr val="tx1"/>
+                    </a:gs>
+                    <a:gs pos="30000">
+                      <a:schemeClr val="tx1"/>
+                    </a:gs>
+                  </a:gsLst>
+                  <a:lin ang="5400000" scaled="0"/>
+                </a:gradFill>
+              </a:rPr>
+              <a:t>（虚拟网络交换机）</a:t>
+            </a:r>
             <a:endParaRPr lang="en-US" sz="1600" dirty="0">
               <a:gradFill>
                 <a:gsLst>
@@ -3686,7 +3707,7 @@
         </p:nvCxnSpPr>
         <p:spPr>
           <a:xfrm flipV="1">
-            <a:off x="3487156" y="4653049"/>
+            <a:off x="2854109" y="4653049"/>
             <a:ext cx="0" cy="285693"/>
           </a:xfrm>
           <a:prstGeom prst="straightConnector1">
@@ -3729,7 +3750,7 @@
         </p:nvSpPr>
         <p:spPr>
           <a:xfrm>
-            <a:off x="2686937" y="4875350"/>
+            <a:off x="2063549" y="4875350"/>
             <a:ext cx="1600438" cy="517065"/>
           </a:xfrm>
           <a:prstGeom prst="rect">
@@ -3801,8 +3822,8 @@
         </p:nvCxnSpPr>
         <p:spPr>
           <a:xfrm flipV="1">
-            <a:off x="3496815" y="3060146"/>
-            <a:ext cx="1272029" cy="479793"/>
+            <a:off x="2863768" y="3060146"/>
+            <a:ext cx="1905076" cy="479793"/>
           </a:xfrm>
           <a:prstGeom prst="straightConnector1">
             <a:avLst/>
@@ -3849,7 +3870,7 @@
         <p:spPr>
           <a:xfrm>
             <a:off x="4768844" y="3060146"/>
-            <a:ext cx="1278530" cy="478752"/>
+            <a:ext cx="1888129" cy="478752"/>
           </a:xfrm>
           <a:prstGeom prst="straightConnector1">
             <a:avLst/>
@@ -3923,12 +3944,58 @@
           </a:fontRef>
         </p:style>
       </p:cxnSp>
-      <p:sp>
-        <p:nvSpPr>
-          <p:cNvPr id="22" name="TextBox 46">
-            <a:extLst>
-              <a:ext uri="{FF2B5EF4-FFF2-40B4-BE49-F238E27FC236}">
-                <a16:creationId xmlns:a16="http://schemas.microsoft.com/office/drawing/2014/main" id="{D47531C9-35D2-F048-9900-0B15D5C61EFD}"/>
+      <p:cxnSp>
+        <p:nvCxnSpPr>
+          <p:cNvPr id="23" name="Straight Arrow Connector 11">
+            <a:extLst>
+              <a:ext uri="{FF2B5EF4-FFF2-40B4-BE49-F238E27FC236}">
+                <a16:creationId xmlns:a16="http://schemas.microsoft.com/office/drawing/2014/main" id="{21C93ADA-8BCC-CE41-BC64-6734A3DBB06D}"/>
+              </a:ext>
+            </a:extLst>
+          </p:cNvPr>
+          <p:cNvCxnSpPr>
+            <a:cxnSpLocks/>
+            <a:endCxn id="10" idx="2"/>
+          </p:cNvCxnSpPr>
+          <p:nvPr/>
+        </p:nvCxnSpPr>
+        <p:spPr>
+          <a:xfrm flipV="1">
+            <a:off x="4768842" y="3060146"/>
+            <a:ext cx="2" cy="478752"/>
+          </a:xfrm>
+          <a:prstGeom prst="straightConnector1">
+            <a:avLst/>
+          </a:prstGeom>
+          <a:ln w="28575">
+            <a:solidFill>
+              <a:schemeClr val="tx1"/>
+            </a:solidFill>
+            <a:headEnd type="triangle" w="med" len="med"/>
+            <a:tailEnd type="triangle" w="med" len="med"/>
+          </a:ln>
+        </p:spPr>
+        <p:style>
+          <a:lnRef idx="1">
+            <a:schemeClr val="accent1"/>
+          </a:lnRef>
+          <a:fillRef idx="0">
+            <a:schemeClr val="accent1"/>
+          </a:fillRef>
+          <a:effectRef idx="0">
+            <a:schemeClr val="accent1"/>
+          </a:effectRef>
+          <a:fontRef idx="minor">
+            <a:schemeClr val="tx1"/>
+          </a:fontRef>
+        </p:style>
+      </p:cxnSp>
+      <p:sp>
+        <p:nvSpPr>
+          <p:cNvPr id="26" name="TextBox 46">
+            <a:extLst>
+              <a:ext uri="{FF2B5EF4-FFF2-40B4-BE49-F238E27FC236}">
+                <a16:creationId xmlns:a16="http://schemas.microsoft.com/office/drawing/2014/main" id="{CDB2D91F-45D9-475B-BB1F-439AD5B6CD02}"/>
               </a:ext>
             </a:extLst>
           </p:cNvPr>
@@ -3937,8 +4004,8 @@
         </p:nvSpPr>
         <p:spPr>
           <a:xfrm>
-            <a:off x="5040803" y="4945507"/>
-            <a:ext cx="2013139" cy="517065"/>
+            <a:off x="4053069" y="3539939"/>
+            <a:ext cx="1431549" cy="1114151"/>
           </a:xfrm>
           <a:prstGeom prst="rect">
             <a:avLst/>
@@ -3987,7 +4054,151 @@
                   <a:lin ang="5400000" scaled="0"/>
                 </a:gradFill>
               </a:rPr>
-              <a:t>网卡 </a:t>
+              <a:t>网卡</a:t>
+            </a:r>
+            <a:r>
+              <a:rPr lang="en-US" altLang="zh-CN" sz="1600" dirty="0">
+                <a:gradFill>
+                  <a:gsLst>
+                    <a:gs pos="2917">
+                      <a:schemeClr val="tx1"/>
+                    </a:gs>
+                    <a:gs pos="30000">
+                      <a:schemeClr val="tx1"/>
+                    </a:gs>
+                  </a:gsLst>
+                  <a:lin ang="5400000" scaled="0"/>
+                </a:gradFill>
+              </a:rPr>
+              <a:t> DRAM</a:t>
+            </a:r>
+            <a:endParaRPr lang="en-US" sz="1600" dirty="0">
+              <a:gradFill>
+                <a:gsLst>
+                  <a:gs pos="2917">
+                    <a:schemeClr val="tx1"/>
+                  </a:gs>
+                  <a:gs pos="30000">
+                    <a:schemeClr val="tx1"/>
+                  </a:gs>
+                </a:gsLst>
+                <a:lin ang="5400000" scaled="0"/>
+              </a:gradFill>
+            </a:endParaRPr>
+          </a:p>
+          <a:p>
+            <a:pPr algn="ctr">
+              <a:lnSpc>
+                <a:spcPct val="90000"/>
+              </a:lnSpc>
+              <a:spcAft>
+                <a:spcPts val="600"/>
+              </a:spcAft>
+            </a:pPr>
+            <a:endParaRPr lang="en-US" sz="1600" dirty="0">
+              <a:gradFill>
+                <a:gsLst>
+                  <a:gs pos="2917">
+                    <a:schemeClr val="tx1"/>
+                  </a:gs>
+                  <a:gs pos="30000">
+                    <a:schemeClr val="tx1"/>
+                  </a:gs>
+                </a:gsLst>
+                <a:lin ang="5400000" scaled="0"/>
+              </a:gradFill>
+            </a:endParaRPr>
+          </a:p>
+          <a:p>
+            <a:pPr algn="ctr">
+              <a:lnSpc>
+                <a:spcPct val="90000"/>
+              </a:lnSpc>
+              <a:spcAft>
+                <a:spcPts val="600"/>
+              </a:spcAft>
+            </a:pPr>
+            <a:endParaRPr lang="en-US" sz="1600" dirty="0">
+              <a:gradFill>
+                <a:gsLst>
+                  <a:gs pos="2917">
+                    <a:schemeClr val="tx1"/>
+                  </a:gs>
+                  <a:gs pos="30000">
+                    <a:schemeClr val="tx1"/>
+                  </a:gs>
+                </a:gsLst>
+                <a:lin ang="5400000" scaled="0"/>
+              </a:gradFill>
+            </a:endParaRPr>
+          </a:p>
+        </p:txBody>
+      </p:sp>
+      <p:sp>
+        <p:nvSpPr>
+          <p:cNvPr id="27" name="TextBox 46">
+            <a:extLst>
+              <a:ext uri="{FF2B5EF4-FFF2-40B4-BE49-F238E27FC236}">
+                <a16:creationId xmlns:a16="http://schemas.microsoft.com/office/drawing/2014/main" id="{1D1CE4ED-DC53-4030-969D-476038D083A8}"/>
+              </a:ext>
+            </a:extLst>
+          </p:cNvPr>
+          <p:cNvSpPr txBox="1"/>
+          <p:nvPr/>
+        </p:nvSpPr>
+        <p:spPr>
+          <a:xfrm>
+            <a:off x="4053067" y="1733142"/>
+            <a:ext cx="1431549" cy="517065"/>
+          </a:xfrm>
+          <a:prstGeom prst="rect">
+            <a:avLst/>
+          </a:prstGeom>
+          <a:ln w="19050"/>
+        </p:spPr>
+        <p:style>
+          <a:lnRef idx="2">
+            <a:schemeClr val="dk1"/>
+          </a:lnRef>
+          <a:fillRef idx="1">
+            <a:schemeClr val="lt1"/>
+          </a:fillRef>
+          <a:effectRef idx="0">
+            <a:schemeClr val="dk1"/>
+          </a:effectRef>
+          <a:fontRef idx="minor">
+            <a:schemeClr val="dk1"/>
+          </a:fontRef>
+        </p:style>
+        <p:txBody>
+          <a:bodyPr wrap="square" lIns="182880" tIns="146304" rIns="182880" bIns="146304" rtlCol="0" anchor="ctr">
+            <a:spAutoFit/>
+          </a:bodyPr>
+          <a:lstStyle/>
+          <a:p>
+            <a:pPr algn="ctr">
+              <a:lnSpc>
+                <a:spcPct val="90000"/>
+              </a:lnSpc>
+              <a:spcAft>
+                <a:spcPts val="600"/>
+              </a:spcAft>
+            </a:pPr>
+            <a:r>
+              <a:rPr lang="zh-CN" altLang="en-US" sz="1600" dirty="0">
+                <a:gradFill>
+                  <a:gsLst>
+                    <a:gs pos="2917">
+                      <a:schemeClr val="tx1"/>
+                    </a:gs>
+                    <a:gs pos="30000">
+                      <a:schemeClr val="tx1"/>
+                    </a:gs>
+                  </a:gsLst>
+                  <a:lin ang="5400000" scaled="0"/>
+                </a:gradFill>
+              </a:rPr>
+              <a:t>主机 </a:t>
             </a:r>
             <a:r>
               <a:rPr lang="en-US" altLang="zh-CN" sz="1600" dirty="0">
@@ -4021,57 +4232,12 @@
           </a:p>
         </p:txBody>
       </p:sp>
-      <p:cxnSp>
-        <p:nvCxnSpPr>
-          <p:cNvPr id="23" name="Straight Arrow Connector 11">
-            <a:extLst>
-              <a:ext uri="{FF2B5EF4-FFF2-40B4-BE49-F238E27FC236}">
-                <a16:creationId xmlns:a16="http://schemas.microsoft.com/office/drawing/2014/main" id="{21C93ADA-8BCC-CE41-BC64-6734A3DBB06D}"/>
-              </a:ext>
-            </a:extLst>
-          </p:cNvPr>
-          <p:cNvCxnSpPr>
-            <a:cxnSpLocks/>
-          </p:cNvCxnSpPr>
-          <p:nvPr/>
-        </p:nvCxnSpPr>
-        <p:spPr>
-          <a:xfrm flipV="1">
-            <a:off x="6067070" y="4653048"/>
-            <a:ext cx="0" cy="285693"/>
-          </a:xfrm>
-          <a:prstGeom prst="straightConnector1">
-            <a:avLst/>
-          </a:prstGeom>
-          <a:ln w="28575">
-            <a:solidFill>
-              <a:schemeClr val="tx1"/>
-            </a:solidFill>
-            <a:headEnd type="triangle" w="med" len="med"/>
-            <a:tailEnd type="triangle" w="med" len="med"/>
-          </a:ln>
-        </p:spPr>
-        <p:style>
-          <a:lnRef idx="1">
-            <a:schemeClr val="accent1"/>
-          </a:lnRef>
-          <a:fillRef idx="0">
-            <a:schemeClr val="accent1"/>
-          </a:fillRef>
-          <a:effectRef idx="0">
-            <a:schemeClr val="accent1"/>
-          </a:effectRef>
-          <a:fontRef idx="minor">
-            <a:schemeClr val="tx1"/>
-          </a:fontRef>
-        </p:style>
-      </p:cxnSp>
-      <p:sp>
-        <p:nvSpPr>
-          <p:cNvPr id="24" name="TextBox 71">
-            <a:extLst>
-              <a:ext uri="{FF2B5EF4-FFF2-40B4-BE49-F238E27FC236}">
-                <a16:creationId xmlns:a16="http://schemas.microsoft.com/office/drawing/2014/main" id="{3E6F2919-C931-B44E-B482-BB1571A00A86}"/>
+      <p:sp>
+        <p:nvSpPr>
+          <p:cNvPr id="28" name="TextBox 46">
+            <a:extLst>
+              <a:ext uri="{FF2B5EF4-FFF2-40B4-BE49-F238E27FC236}">
+                <a16:creationId xmlns:a16="http://schemas.microsoft.com/office/drawing/2014/main" id="{255FB7CE-9C2D-4213-9792-F48541B34FCC}"/>
               </a:ext>
             </a:extLst>
           </p:cNvPr>
@@ -4080,21 +4246,35 @@
         </p:nvSpPr>
         <p:spPr>
           <a:xfrm>
-            <a:off x="4162587" y="1839776"/>
-            <a:ext cx="1212511" cy="517065"/>
+            <a:off x="5900593" y="1733142"/>
+            <a:ext cx="1431549" cy="517065"/>
           </a:xfrm>
           <a:prstGeom prst="rect">
             <a:avLst/>
           </a:prstGeom>
-          <a:noFill/>
+          <a:ln w="19050"/>
         </p:spPr>
-        <p:txBody>
-          <a:bodyPr wrap="none" lIns="182880" tIns="146304" rIns="182880" bIns="146304" rtlCol="0">
+        <p:style>
+          <a:lnRef idx="2">
+            <a:schemeClr val="dk1"/>
+          </a:lnRef>
+          <a:fillRef idx="1">
+            <a:schemeClr val="lt1"/>
+          </a:fillRef>
+          <a:effectRef idx="0">
+            <a:schemeClr val="dk1"/>
+          </a:effectRef>
+          <a:fontRef idx="minor">
+            <a:schemeClr val="dk1"/>
+          </a:fontRef>
+        </p:style>
+        <p:txBody>
+          <a:bodyPr wrap="square" lIns="182880" tIns="146304" rIns="182880" bIns="146304" rtlCol="0" anchor="ctr">
             <a:spAutoFit/>
           </a:bodyPr>
           <a:lstStyle/>
           <a:p>
-            <a:pPr>
+            <a:pPr algn="ctr">
               <a:lnSpc>
                 <a:spcPct val="90000"/>
               </a:lnSpc>
@@ -4134,6 +4314,182 @@
               </a:rPr>
               <a:t>CPU</a:t>
             </a:r>
+            <a:endParaRPr lang="en-US" sz="1600" dirty="0">
+              <a:gradFill>
+                <a:gsLst>
+                  <a:gs pos="2917">
+                    <a:schemeClr val="tx1"/>
+                  </a:gs>
+                  <a:gs pos="30000">
+                    <a:schemeClr val="tx1"/>
+                  </a:gs>
+                </a:gsLst>
+                <a:lin ang="5400000" scaled="0"/>
+              </a:gradFill>
+            </a:endParaRPr>
+          </a:p>
+        </p:txBody>
+      </p:sp>
+      <p:cxnSp>
+        <p:nvCxnSpPr>
+          <p:cNvPr id="29" name="Straight Arrow Connector 11">
+            <a:extLst>
+              <a:ext uri="{FF2B5EF4-FFF2-40B4-BE49-F238E27FC236}">
+                <a16:creationId xmlns:a16="http://schemas.microsoft.com/office/drawing/2014/main" id="{2CE5B572-0CED-4414-BB27-FAB69090E21A}"/>
+              </a:ext>
+            </a:extLst>
+          </p:cNvPr>
+          <p:cNvCxnSpPr>
+            <a:cxnSpLocks/>
+            <a:stCxn id="28" idx="1"/>
+            <a:endCxn id="27" idx="3"/>
+          </p:cNvCxnSpPr>
+          <p:nvPr/>
+        </p:nvCxnSpPr>
+        <p:spPr>
+          <a:xfrm flipH="1">
+            <a:off x="5484616" y="1991675"/>
+            <a:ext cx="415977" cy="0"/>
+          </a:xfrm>
+          <a:prstGeom prst="straightConnector1">
+            <a:avLst/>
+          </a:prstGeom>
+          <a:ln w="28575">
+            <a:solidFill>
+              <a:schemeClr val="tx1"/>
+            </a:solidFill>
+            <a:headEnd type="triangle" w="med" len="med"/>
+            <a:tailEnd type="triangle" w="med" len="med"/>
+          </a:ln>
+        </p:spPr>
+        <p:style>
+          <a:lnRef idx="1">
+            <a:schemeClr val="accent1"/>
+          </a:lnRef>
+          <a:fillRef idx="0">
+            <a:schemeClr val="accent1"/>
+          </a:fillRef>
+          <a:effectRef idx="0">
+            <a:schemeClr val="accent1"/>
+          </a:effectRef>
+          <a:fontRef idx="minor">
+            <a:schemeClr val="tx1"/>
+          </a:fontRef>
+        </p:style>
+      </p:cxnSp>
+      <p:sp>
+        <p:nvSpPr>
+          <p:cNvPr id="33" name="Rectangle 32">
+            <a:extLst>
+              <a:ext uri="{FF2B5EF4-FFF2-40B4-BE49-F238E27FC236}">
+                <a16:creationId xmlns:a16="http://schemas.microsoft.com/office/drawing/2014/main" id="{F10102D6-5205-47A4-B7CE-8D0D6DD73F8C}"/>
+              </a:ext>
+            </a:extLst>
+          </p:cNvPr>
+          <p:cNvSpPr/>
+          <p:nvPr/>
+        </p:nvSpPr>
+        <p:spPr>
+          <a:xfrm>
+            <a:off x="1712583" y="2383692"/>
+            <a:ext cx="6094986" cy="2422745"/>
+          </a:xfrm>
+          <a:prstGeom prst="rect">
+            <a:avLst/>
+          </a:prstGeom>
+          <a:noFill/>
+          <a:ln>
+            <a:prstDash val="dash"/>
+          </a:ln>
+        </p:spPr>
+        <p:style>
+          <a:lnRef idx="2">
+            <a:schemeClr val="dk1"/>
+          </a:lnRef>
+          <a:fillRef idx="1">
+            <a:schemeClr val="lt1"/>
+          </a:fillRef>
+          <a:effectRef idx="0">
+            <a:schemeClr val="dk1"/>
+          </a:effectRef>
+          <a:fontRef idx="minor">
+            <a:schemeClr val="dk1"/>
+          </a:fontRef>
+        </p:style>
+        <p:txBody>
+          <a:bodyPr rtlCol="0" anchor="ctr"/>
+          <a:lstStyle/>
+          <a:p>
+            <a:pPr algn="ctr"/>
+            <a:endParaRPr lang="en-US"/>
+          </a:p>
+        </p:txBody>
+      </p:sp>
+      <p:sp>
+        <p:nvSpPr>
+          <p:cNvPr id="34" name="TextBox 71">
+            <a:extLst>
+              <a:ext uri="{FF2B5EF4-FFF2-40B4-BE49-F238E27FC236}">
+                <a16:creationId xmlns:a16="http://schemas.microsoft.com/office/drawing/2014/main" id="{396104DD-D32A-45E4-ABDB-8AD197E0373C}"/>
+              </a:ext>
+            </a:extLst>
+          </p:cNvPr>
+          <p:cNvSpPr txBox="1"/>
+          <p:nvPr/>
+        </p:nvSpPr>
+        <p:spPr>
+          <a:xfrm>
+            <a:off x="1712583" y="2383692"/>
+            <a:ext cx="1395254" cy="517065"/>
+          </a:xfrm>
+          <a:prstGeom prst="rect">
+            <a:avLst/>
+          </a:prstGeom>
+          <a:noFill/>
+        </p:spPr>
+        <p:txBody>
+          <a:bodyPr wrap="none" lIns="182880" tIns="146304" rIns="182880" bIns="146304" rtlCol="0">
+            <a:spAutoFit/>
+          </a:bodyPr>
+          <a:lstStyle/>
+          <a:p>
+            <a:pPr>
+              <a:lnSpc>
+                <a:spcPct val="90000"/>
+              </a:lnSpc>
+              <a:spcAft>
+                <a:spcPts val="600"/>
+              </a:spcAft>
+            </a:pPr>
+            <a:r>
+              <a:rPr lang="zh-CN" altLang="en-US" sz="1600" dirty="0">
+                <a:gradFill>
+                  <a:gsLst>
+                    <a:gs pos="2917">
+                      <a:schemeClr val="tx1"/>
+                    </a:gs>
+                    <a:gs pos="30000">
+                      <a:schemeClr val="tx1"/>
+                    </a:gs>
+                  </a:gsLst>
+                  <a:lin ang="5400000" scaled="0"/>
+                </a:gradFill>
+              </a:rPr>
+              <a:t>可编程网卡</a:t>
+            </a:r>
+            <a:endParaRPr lang="en-US" altLang="zh-CN" sz="1600" dirty="0">
+              <a:gradFill>
+                <a:gsLst>
+                  <a:gs pos="2917">
+                    <a:schemeClr val="tx1"/>
+                  </a:gs>
+                  <a:gs pos="30000">
+                    <a:schemeClr val="tx1"/>
+                  </a:gs>
+                </a:gsLst>
+                <a:lin ang="5400000" scaled="0"/>
+              </a:gradFill>
+            </a:endParaRPr>
           </a:p>
         </p:txBody>
       </p:sp>
@@ -4458,21 +4814,39 @@
                                   </p:childTnLst>
                                 </p:cTn>
                               </p:par>
+                            </p:childTnLst>
+                          </p:cTn>
+                        </p:par>
+                      </p:childTnLst>
+                    </p:cTn>
+                  </p:par>
+                  <p:par>
+                    <p:cTn id="29" fill="hold">
+                      <p:stCondLst>
+                        <p:cond delay="indefinite"/>
+                      </p:stCondLst>
+                      <p:childTnLst>
+                        <p:par>
+                          <p:cTn id="30" fill="hold">
+                            <p:stCondLst>
+                              <p:cond delay="0"/>
+                            </p:stCondLst>
+                            <p:childTnLst>
                               <p:par>
-                                <p:cTn id="29" presetID="1" presetClass="entr" presetSubtype="0" fill="hold" grpId="0" nodeType="withEffect">
+                                <p:cTn id="31" presetID="1" presetClass="entr" presetSubtype="0" fill="hold" nodeType="clickEffect">
                                   <p:stCondLst>
                                     <p:cond delay="0"/>
                                   </p:stCondLst>
                                   <p:childTnLst>
                                     <p:set>
                                       <p:cBhvr>
-                                        <p:cTn id="30" dur="1" fill="hold">
+                                        <p:cTn id="32" dur="1" fill="hold">
                                           <p:stCondLst>
                                             <p:cond delay="0"/>
                                           </p:stCondLst>
                                         </p:cTn>
                                         <p:tgtEl>
-                                          <p:spTgt spid="22"/>
+                                          <p:spTgt spid="23"/>
                                         </p:tgtEl>
                                         <p:attrNameLst>
                                           <p:attrName>style.visibility</p:attrName>
@@ -4485,26 +4859,8 @@
                                   </p:childTnLst>
                                 </p:cTn>
                               </p:par>
-                            </p:childTnLst>
-                          </p:cTn>
-                        </p:par>
-                      </p:childTnLst>
-                    </p:cTn>
-                  </p:par>
-                  <p:par>
-                    <p:cTn id="31" fill="hold">
-                      <p:stCondLst>
-                        <p:cond delay="indefinite"/>
-                      </p:stCondLst>
-                      <p:childTnLst>
-                        <p:par>
-                          <p:cTn id="32" fill="hold">
-                            <p:stCondLst>
-                              <p:cond delay="0"/>
-                            </p:stCondLst>
-                            <p:childTnLst>
                               <p:par>
-                                <p:cTn id="33" presetID="1" presetClass="entr" presetSubtype="0" fill="hold" nodeType="clickEffect">
+                                <p:cTn id="33" presetID="1" presetClass="entr" presetSubtype="0" fill="hold" grpId="0" nodeType="withEffect">
                                   <p:stCondLst>
                                     <p:cond delay="0"/>
                                   </p:stCondLst>
@@ -4517,7 +4873,7 @@
                                           </p:stCondLst>
                                         </p:cTn>
                                         <p:tgtEl>
-                                          <p:spTgt spid="23"/>
+                                          <p:spTgt spid="26"/>
                                         </p:tgtEl>
                                         <p:attrNameLst>
                                           <p:attrName>style.visibility</p:attrName>
@@ -4544,7 +4900,106 @@
                                           </p:stCondLst>
                                         </p:cTn>
                                         <p:tgtEl>
-                                          <p:spTgt spid="24"/>
+                                          <p:spTgt spid="27"/>
+                                        </p:tgtEl>
+                                        <p:attrNameLst>
+                                          <p:attrName>style.visibility</p:attrName>
+                                        </p:attrNameLst>
+                                      </p:cBhvr>
+                                      <p:to>
+                                        <p:strVal val="visible"/>
+                                      </p:to>
+                                    </p:set>
+                                  </p:childTnLst>
+                                </p:cTn>
+                              </p:par>
+                              <p:par>
+                                <p:cTn id="37" presetID="1" presetClass="entr" presetSubtype="0" fill="hold" grpId="0" nodeType="withEffect">
+                                  <p:stCondLst>
+                                    <p:cond delay="0"/>
+                                  </p:stCondLst>
+                                  <p:childTnLst>
+                                    <p:set>
+                                      <p:cBhvr>
+                                        <p:cTn id="38" dur="1" fill="hold">
+                                          <p:stCondLst>
+                                            <p:cond delay="0"/>
+                                          </p:stCondLst>
+                                        </p:cTn>
+                                        <p:tgtEl>
+                                          <p:spTgt spid="28"/>
+                                        </p:tgtEl>
+                                        <p:attrNameLst>
+                                          <p:attrName>style.visibility</p:attrName>
+                                        </p:attrNameLst>
+                                      </p:cBhvr>
+                                      <p:to>
+                                        <p:strVal val="visible"/>
+                                      </p:to>
+                                    </p:set>
+                                  </p:childTnLst>
+                                </p:cTn>
+                              </p:par>
+                            </p:childTnLst>
+                          </p:cTn>
+                        </p:par>
+                      </p:childTnLst>
+                    </p:cTn>
+                  </p:par>
+                  <p:par>
+                    <p:cTn id="39" fill="hold">
+                      <p:stCondLst>
+                        <p:cond delay="indefinite"/>
+                      </p:stCondLst>
+                      <p:childTnLst>
+                        <p:par>
+                          <p:cTn id="40" fill="hold">
+                            <p:stCondLst>
+                              <p:cond delay="0"/>
+                            </p:stCondLst>
+                            <p:childTnLst>
+                              <p:par>
+                                <p:cTn id="41" presetID="1" presetClass="entr" presetSubtype="0" fill="hold" nodeType="clickEffect">
+                                  <p:stCondLst>
+                                    <p:cond delay="0"/>
+                                  </p:stCondLst>
+                                  <p:childTnLst>
+                                    <p:set>
+                                      <p:cBhvr>
+                                        <p:cTn id="42" dur="1" fill="hold">
+                                          <p:stCondLst>
+                                            <p:cond delay="0"/>
+                                          </p:stCondLst>
+                                        </p:cTn>
+                                        <p:tgtEl>
+                                          <p:spTgt spid="29"/>
+                                        </p:tgtEl>
+                                        <p:attrNameLst>
+                                          <p:attrName>style.visibility</p:attrName>
+                                        </p:attrNameLst>
+                                      </p:cBhvr>
+                                      <p:to>
+                                        <p:strVal val="visible"/>
+                                      </p:to>
+                                    </p:set>
+                                  </p:childTnLst>
+                                </p:cTn>
+                              </p:par>
+                              <p:par>
+                                <p:cTn id="43" presetID="1" presetClass="entr" presetSubtype="0" fill="hold" grpId="0" nodeType="withEffect">
+                                  <p:stCondLst>
+                                    <p:cond delay="0"/>
+                                  </p:stCondLst>
+                                  <p:childTnLst>
+                                    <p:set>
+                                      <p:cBhvr>
+                                        <p:cTn id="44" dur="1" fill="hold">
+                                          <p:stCondLst>
+                                            <p:cond delay="0"/>
+                                          </p:stCondLst>
+                                        </p:cTn>
+                                        <p:tgtEl>
+                                          <p:spTgt spid="34"/>
                                         </p:tgtEl>
                                         <p:attrNameLst>
                                           <p:attrName>style.visibility</p:attrName>
@@ -4589,8 +5044,10 @@
       <p:bldP spid="9" grpId="0" animBg="1"/>
       <p:bldP spid="10" grpId="0" animBg="1"/>
       <p:bldP spid="12" grpId="0"/>
-      <p:bldP spid="22" grpId="0" animBg="1"/>
-      <p:bldP spid="24" grpId="0"/>
+      <p:bldP spid="26" grpId="0" animBg="1"/>
+      <p:bldP spid="27" grpId="0" animBg="1"/>
+      <p:bldP spid="28" grpId="0" animBg="1"/>
+      <p:bldP spid="34" grpId="0"/>
     </p:bldLst>
   </p:timing>
 </p:sld>
